--- a/Planning In India.pptx
+++ b/Planning In India.pptx
@@ -5,8 +5,12 @@
     <p:sldMasterId id="2147483732" r:id="rId1"/>
   </p:sldMasterIdLst>
   <p:sldIdLst>
-    <p:sldId id="256" r:id="rId2"/>
-    <p:sldId id="257" r:id="rId3"/>
+    <p:sldId id="264" r:id="rId2"/>
+    <p:sldId id="263" r:id="rId3"/>
+    <p:sldId id="262" r:id="rId4"/>
+    <p:sldId id="259" r:id="rId5"/>
+    <p:sldId id="261" r:id="rId6"/>
+    <p:sldId id="260" r:id="rId7"/>
   </p:sldIdLst>
   <p:sldSz cx="9144000" cy="6858000" type="screen4x3"/>
   <p:notesSz cx="6858000" cy="9144000"/>
@@ -5041,24 +5045,23 @@
             <a:spLocks noGrp="1"/>
           </p:cNvSpPr>
           <p:nvPr>
-            <p:ph type="ctrTitle"/>
+            <p:ph type="title"/>
           </p:nvPr>
         </p:nvSpPr>
         <p:spPr>
           <a:xfrm>
-            <a:off x="2286000" y="457200"/>
-            <a:ext cx="6172200" cy="609600"/>
+            <a:off x="457200" y="609600"/>
+            <a:ext cx="7467600" cy="808038"/>
           </a:xfrm>
         </p:spPr>
         <p:txBody>
           <a:bodyPr>
-            <a:noAutofit/>
+            <a:normAutofit/>
           </a:bodyPr>
           <a:lstStyle/>
           <a:p>
-            <a:pPr algn="ctr"/>
-            <a:r>
-              <a:rPr lang="en-US" sz="3600" u="sng" spc="600" dirty="0" smtClean="0">
+            <a:r>
+              <a:rPr lang="en-US" sz="4400" u="sng" spc="600" dirty="0" smtClean="0">
                 <a:solidFill>
                   <a:schemeClr val="bg2">
                     <a:lumMod val="25000"/>
@@ -5074,52 +5077,41 @@
               </a:rPr>
               <a:t>Planning In India</a:t>
             </a:r>
-            <a:endParaRPr lang="en-US" sz="3600" u="sng" spc="600" dirty="0">
-              <a:solidFill>
-                <a:schemeClr val="bg2">
-                  <a:lumMod val="25000"/>
-                </a:schemeClr>
-              </a:solidFill>
-              <a:effectLst>
-                <a:outerShdw blurRad="38100" dist="38100" dir="2700000" algn="tl">
-                  <a:srgbClr val="000000">
-                    <a:alpha val="43137"/>
-                  </a:srgbClr>
-                </a:outerShdw>
-              </a:effectLst>
-            </a:endParaRPr>
-          </a:p>
-        </p:txBody>
-      </p:sp>
-      <p:sp>
-        <p:nvSpPr>
-          <p:cNvPr id="3" name="Subtitle 2"/>
-          <p:cNvSpPr>
-            <a:spLocks noGrp="1"/>
-          </p:cNvSpPr>
-          <p:nvPr>
-            <p:ph type="subTitle" idx="1"/>
+            <a:endParaRPr lang="en-US" sz="4000" dirty="0"/>
+          </a:p>
+        </p:txBody>
+      </p:sp>
+      <p:sp>
+        <p:nvSpPr>
+          <p:cNvPr id="3" name="Content Placeholder 2"/>
+          <p:cNvSpPr>
+            <a:spLocks noGrp="1"/>
+          </p:cNvSpPr>
+          <p:nvPr>
+            <p:ph sz="quarter" idx="1"/>
           </p:nvPr>
         </p:nvSpPr>
         <p:spPr>
           <a:xfrm>
-            <a:off x="2286000" y="1828800"/>
-            <a:ext cx="6172200" cy="4038600"/>
-          </a:xfrm>
-        </p:spPr>
-        <p:txBody>
-          <a:bodyPr/>
-          <a:lstStyle/>
-          <a:p>
-            <a:r>
-              <a:rPr lang="en-US" dirty="0" smtClean="0">
+            <a:off x="457200" y="1600200"/>
+            <a:ext cx="7467600" cy="4343400"/>
+          </a:xfrm>
+        </p:spPr>
+        <p:txBody>
+          <a:bodyPr>
+            <a:normAutofit/>
+          </a:bodyPr>
+          <a:lstStyle/>
+          <a:p>
+            <a:r>
+              <a:rPr lang="en-US" sz="2000" dirty="0" smtClean="0">
                 <a:latin typeface="Calibri" pitchFamily="34" charset="0"/>
                 <a:cs typeface="Aparajita" pitchFamily="34" charset="0"/>
               </a:rPr>
               <a:t>From 1947 to 2017, the Indian economy was premised on the concept of planning. This was carried through the </a:t>
             </a:r>
             <a:r>
-              <a:rPr lang="en-US" dirty="0" smtClean="0">
+              <a:rPr lang="en-US" sz="2000" dirty="0" smtClean="0">
                 <a:solidFill>
                   <a:schemeClr val="bg2">
                     <a:lumMod val="50000"/>
@@ -5131,7 +5123,7 @@
               <a:t>Five-Year Plans,  </a:t>
             </a:r>
             <a:r>
-              <a:rPr lang="en-US" dirty="0" smtClean="0">
+              <a:rPr lang="en-US" sz="2000" dirty="0" smtClean="0">
                 <a:solidFill>
                   <a:schemeClr val="accent6">
                     <a:lumMod val="50000"/>
@@ -5143,7 +5135,7 @@
               <a:t>developed, executed, and monitored by the </a:t>
             </a:r>
             <a:r>
-              <a:rPr lang="en-US" dirty="0" smtClean="0">
+              <a:rPr lang="en-US" sz="2000" dirty="0" smtClean="0">
                 <a:solidFill>
                   <a:schemeClr val="bg2">
                     <a:lumMod val="50000"/>
@@ -5155,7 +5147,7 @@
               <a:t>Planning Commission(1951-2014)</a:t>
             </a:r>
             <a:r>
-              <a:rPr lang="en-US" dirty="0" smtClean="0">
+              <a:rPr lang="en-US" sz="2000" dirty="0" smtClean="0">
                 <a:solidFill>
                   <a:schemeClr val="accent6">
                     <a:lumMod val="50000"/>
@@ -5167,7 +5159,7 @@
               <a:t> and the </a:t>
             </a:r>
             <a:r>
-              <a:rPr lang="en-US" dirty="0" smtClean="0">
+              <a:rPr lang="en-US" sz="2000" dirty="0" smtClean="0">
                 <a:solidFill>
                   <a:schemeClr val="bg2">
                     <a:lumMod val="50000"/>
@@ -5179,7 +5171,7 @@
               <a:t>NITI </a:t>
             </a:r>
             <a:r>
-              <a:rPr lang="en-US" dirty="0" err="1" smtClean="0">
+              <a:rPr lang="en-US" sz="2000" dirty="0" err="1" smtClean="0">
                 <a:solidFill>
                   <a:schemeClr val="bg2">
                     <a:lumMod val="50000"/>
@@ -5191,7 +5183,7 @@
               <a:t>Ayog</a:t>
             </a:r>
             <a:r>
-              <a:rPr lang="en-US" dirty="0" smtClean="0">
+              <a:rPr lang="en-US" sz="2000" dirty="0" smtClean="0">
                 <a:solidFill>
                   <a:schemeClr val="bg2">
                     <a:lumMod val="50000"/>
@@ -5203,7 +5195,7 @@
               <a:t>(201-17). </a:t>
             </a:r>
             <a:r>
-              <a:rPr lang="en-US" dirty="0" smtClean="0">
+              <a:rPr lang="en-US" sz="2000" dirty="0" smtClean="0">
                 <a:solidFill>
                   <a:schemeClr val="accent6">
                     <a:lumMod val="50000"/>
@@ -5215,7 +5207,7 @@
               <a:t>With the Prime minister as the </a:t>
             </a:r>
             <a:r>
-              <a:rPr lang="en-US" dirty="0" smtClean="0">
+              <a:rPr lang="en-US" sz="2000" dirty="0" smtClean="0">
                 <a:solidFill>
                   <a:schemeClr val="accent4">
                     <a:lumMod val="75000"/>
@@ -5227,7 +5219,7 @@
               <a:t>ex-officio</a:t>
             </a:r>
             <a:r>
-              <a:rPr lang="en-US" dirty="0" smtClean="0">
+              <a:rPr lang="en-US" sz="2000" dirty="0" smtClean="0">
                 <a:solidFill>
                   <a:schemeClr val="accent6">
                     <a:lumMod val="50000"/>
@@ -5238,8 +5230,19 @@
               </a:rPr>
               <a:t> chairman, the commission has a nominated deputy chairman, who holds the rank of a cabinet minister. </a:t>
             </a:r>
-            <a:r>
-              <a:rPr lang="en-US" dirty="0" smtClean="0">
+            <a:endParaRPr lang="en-US" sz="2000" dirty="0" smtClean="0">
+              <a:solidFill>
+                <a:schemeClr val="accent6">
+                  <a:lumMod val="50000"/>
+                </a:schemeClr>
+              </a:solidFill>
+              <a:latin typeface="Calibri" pitchFamily="34" charset="0"/>
+              <a:cs typeface="Aparajita" pitchFamily="34" charset="0"/>
+            </a:endParaRPr>
+          </a:p>
+          <a:p>
+            <a:r>
+              <a:rPr lang="en-US" sz="2000" dirty="0" err="1" smtClean="0">
                 <a:solidFill>
                   <a:schemeClr val="accent4">
                     <a:lumMod val="75000"/>
@@ -5248,10 +5251,58 @@
                 <a:latin typeface="Calibri" pitchFamily="34" charset="0"/>
                 <a:cs typeface="Aparajita" pitchFamily="34" charset="0"/>
               </a:rPr>
-              <a:t>Montek sing Ahluwalia </a:t>
-            </a:r>
-            <a:r>
-              <a:rPr lang="en-US" dirty="0" smtClean="0">
+              <a:t>Montek</a:t>
+            </a:r>
+            <a:r>
+              <a:rPr lang="en-US" sz="2000" dirty="0" smtClean="0">
+                <a:solidFill>
+                  <a:schemeClr val="accent4">
+                    <a:lumMod val="75000"/>
+                  </a:schemeClr>
+                </a:solidFill>
+                <a:latin typeface="Calibri" pitchFamily="34" charset="0"/>
+                <a:cs typeface="Aparajita" pitchFamily="34" charset="0"/>
+              </a:rPr>
+              <a:t> </a:t>
+            </a:r>
+            <a:r>
+              <a:rPr lang="en-US" sz="2000" dirty="0" smtClean="0">
+                <a:solidFill>
+                  <a:schemeClr val="accent4">
+                    <a:lumMod val="75000"/>
+                  </a:schemeClr>
+                </a:solidFill>
+                <a:latin typeface="Calibri" pitchFamily="34" charset="0"/>
+                <a:cs typeface="Aparajita" pitchFamily="34" charset="0"/>
+              </a:rPr>
+              <a:t>sing </a:t>
+            </a:r>
+            <a:r>
+              <a:rPr lang="en-US" sz="2000" dirty="0" err="1" smtClean="0">
+                <a:solidFill>
+                  <a:schemeClr val="accent4">
+                    <a:lumMod val="75000"/>
+                  </a:schemeClr>
+                </a:solidFill>
+                <a:latin typeface="Calibri" pitchFamily="34" charset="0"/>
+                <a:cs typeface="Aparajita" pitchFamily="34" charset="0"/>
+              </a:rPr>
+              <a:t>Ahluwalia</a:t>
+            </a:r>
+            <a:r>
+              <a:rPr lang="en-US" sz="2000" dirty="0" smtClean="0">
+                <a:solidFill>
+                  <a:schemeClr val="accent4">
+                    <a:lumMod val="75000"/>
+                  </a:schemeClr>
+                </a:solidFill>
+                <a:latin typeface="Calibri" pitchFamily="34" charset="0"/>
+                <a:cs typeface="Aparajita" pitchFamily="34" charset="0"/>
+              </a:rPr>
+              <a:t> </a:t>
+            </a:r>
+            <a:r>
+              <a:rPr lang="en-US" sz="2000" dirty="0" smtClean="0">
                 <a:solidFill>
                   <a:schemeClr val="accent6">
                     <a:lumMod val="50000"/>
@@ -5260,10 +5311,46 @@
                 <a:latin typeface="Calibri" pitchFamily="34" charset="0"/>
                 <a:cs typeface="Aparajita" pitchFamily="34" charset="0"/>
               </a:rPr>
-              <a:t>is the last deputy chairman of the </a:t>
-            </a:r>
-            <a:r>
-              <a:rPr lang="en-US" dirty="0" smtClean="0">
+              <a:t>is the last deputy chairman of the commission(resigned on 26 May 2014). The Twelfth Plan completed its terms in March 2017. The new government led by </a:t>
+            </a:r>
+            <a:r>
+              <a:rPr lang="en-US" sz="2000" dirty="0" err="1" smtClean="0">
+                <a:solidFill>
+                  <a:schemeClr val="accent4">
+                    <a:lumMod val="75000"/>
+                  </a:schemeClr>
+                </a:solidFill>
+                <a:latin typeface="Calibri" pitchFamily="34" charset="0"/>
+                <a:cs typeface="Aparajita" pitchFamily="34" charset="0"/>
+              </a:rPr>
+              <a:t>Narendra</a:t>
+            </a:r>
+            <a:r>
+              <a:rPr lang="en-US" sz="2000" dirty="0" smtClean="0">
+                <a:solidFill>
+                  <a:schemeClr val="accent4">
+                    <a:lumMod val="75000"/>
+                  </a:schemeClr>
+                </a:solidFill>
+                <a:latin typeface="Calibri" pitchFamily="34" charset="0"/>
+                <a:cs typeface="Aparajita" pitchFamily="34" charset="0"/>
+              </a:rPr>
+              <a:t> </a:t>
+            </a:r>
+            <a:r>
+              <a:rPr lang="en-US" sz="2000" dirty="0" err="1" smtClean="0">
+                <a:solidFill>
+                  <a:schemeClr val="accent4">
+                    <a:lumMod val="75000"/>
+                  </a:schemeClr>
+                </a:solidFill>
+                <a:latin typeface="Calibri" pitchFamily="34" charset="0"/>
+                <a:cs typeface="Aparajita" pitchFamily="34" charset="0"/>
+              </a:rPr>
+              <a:t>Modi</a:t>
+            </a:r>
+            <a:r>
+              <a:rPr lang="en-US" sz="2000" dirty="0" smtClean="0">
                 <a:solidFill>
                   <a:schemeClr val="accent6">
                     <a:lumMod val="50000"/>
@@ -5272,10 +5359,46 @@
                 <a:latin typeface="Calibri" pitchFamily="34" charset="0"/>
                 <a:cs typeface="Aparajita" pitchFamily="34" charset="0"/>
               </a:rPr>
-              <a:t>commission(resigned </a:t>
-            </a:r>
-            <a:r>
-              <a:rPr lang="en-US" dirty="0" smtClean="0">
+              <a:t>, elected in2014,announced the dissolution of the think tank called the </a:t>
+            </a:r>
+            <a:r>
+              <a:rPr lang="en-US" sz="2000" dirty="0" smtClean="0">
+                <a:solidFill>
+                  <a:schemeClr val="accent4">
+                    <a:lumMod val="75000"/>
+                  </a:schemeClr>
+                </a:solidFill>
+                <a:latin typeface="Calibri" pitchFamily="34" charset="0"/>
+                <a:cs typeface="Aparajita" pitchFamily="34" charset="0"/>
+              </a:rPr>
+              <a:t>NITI </a:t>
+            </a:r>
+            <a:r>
+              <a:rPr lang="en-US" sz="2000" dirty="0" err="1" smtClean="0">
+                <a:solidFill>
+                  <a:schemeClr val="accent4">
+                    <a:lumMod val="75000"/>
+                  </a:schemeClr>
+                </a:solidFill>
+                <a:latin typeface="Calibri" pitchFamily="34" charset="0"/>
+                <a:cs typeface="Aparajita" pitchFamily="34" charset="0"/>
+              </a:rPr>
+              <a:t>Aayog</a:t>
+            </a:r>
+            <a:r>
+              <a:rPr lang="en-US" sz="2000" dirty="0" smtClean="0">
+                <a:solidFill>
+                  <a:schemeClr val="accent4">
+                    <a:lumMod val="75000"/>
+                  </a:schemeClr>
+                </a:solidFill>
+                <a:latin typeface="Calibri" pitchFamily="34" charset="0"/>
+                <a:cs typeface="Aparajita" pitchFamily="34" charset="0"/>
+              </a:rPr>
+              <a:t> </a:t>
+            </a:r>
+            <a:r>
+              <a:rPr lang="en-US" sz="2000" dirty="0" smtClean="0">
                 <a:solidFill>
                   <a:schemeClr val="accent6">
                     <a:lumMod val="50000"/>
@@ -5284,69 +5407,9 @@
                 <a:latin typeface="Calibri" pitchFamily="34" charset="0"/>
                 <a:cs typeface="Aparajita" pitchFamily="34" charset="0"/>
               </a:rPr>
-              <a:t>on 26 May 2014</a:t>
-            </a:r>
-            <a:r>
-              <a:rPr lang="en-US" dirty="0" smtClean="0">
-                <a:solidFill>
-                  <a:schemeClr val="accent6">
-                    <a:lumMod val="50000"/>
-                  </a:schemeClr>
-                </a:solidFill>
-                <a:latin typeface="Calibri" pitchFamily="34" charset="0"/>
-                <a:cs typeface="Aparajita" pitchFamily="34" charset="0"/>
-              </a:rPr>
-              <a:t>). The Twelfth Plan completed its terms in March 2017. The new government led by </a:t>
-            </a:r>
-            <a:r>
-              <a:rPr lang="en-US" dirty="0" smtClean="0">
-                <a:solidFill>
-                  <a:schemeClr val="accent4">
-                    <a:lumMod val="75000"/>
-                  </a:schemeClr>
-                </a:solidFill>
-                <a:latin typeface="Calibri" pitchFamily="34" charset="0"/>
-                <a:cs typeface="Aparajita" pitchFamily="34" charset="0"/>
-              </a:rPr>
-              <a:t>Narendra Modi</a:t>
-            </a:r>
-            <a:r>
-              <a:rPr lang="en-US" dirty="0" smtClean="0">
-                <a:solidFill>
-                  <a:schemeClr val="accent6">
-                    <a:lumMod val="50000"/>
-                  </a:schemeClr>
-                </a:solidFill>
-                <a:latin typeface="Calibri" pitchFamily="34" charset="0"/>
-                <a:cs typeface="Aparajita" pitchFamily="34" charset="0"/>
-              </a:rPr>
-              <a:t>, elected in2014,announced the dissolution of the think tank called the </a:t>
-            </a:r>
-            <a:r>
-              <a:rPr lang="en-US" dirty="0" smtClean="0">
-                <a:solidFill>
-                  <a:schemeClr val="accent4">
-                    <a:lumMod val="75000"/>
-                  </a:schemeClr>
-                </a:solidFill>
-                <a:latin typeface="Calibri" pitchFamily="34" charset="0"/>
-                <a:cs typeface="Aparajita" pitchFamily="34" charset="0"/>
-              </a:rPr>
-              <a:t>NITI Aayog </a:t>
-            </a:r>
-            <a:r>
-              <a:rPr lang="en-US" dirty="0" smtClean="0">
-                <a:solidFill>
-                  <a:schemeClr val="accent6">
-                    <a:lumMod val="50000"/>
-                  </a:schemeClr>
-                </a:solidFill>
-                <a:latin typeface="Calibri" pitchFamily="34" charset="0"/>
-                <a:cs typeface="Aparajita" pitchFamily="34" charset="0"/>
-              </a:rPr>
               <a:t>(an acronym for National Institution for Transforming India).</a:t>
             </a:r>
-            <a:endParaRPr lang="en-US" dirty="0">
+            <a:endParaRPr lang="en-US" sz="2000" dirty="0" smtClean="0">
               <a:solidFill>
                 <a:schemeClr val="bg2">
                   <a:lumMod val="50000"/>
@@ -5355,6 +5418,9 @@
               <a:latin typeface="Calibri" pitchFamily="34" charset="0"/>
               <a:cs typeface="Aparajita" pitchFamily="34" charset="0"/>
             </a:endParaRPr>
+          </a:p>
+          <a:p>
+            <a:endParaRPr lang="en-US" dirty="0"/>
           </a:p>
         </p:txBody>
       </p:sp>
@@ -5390,13 +5456,13 @@
             <a:spLocks noGrp="1"/>
           </p:cNvSpPr>
           <p:nvPr>
-            <p:ph type="ctrTitle"/>
+            <p:ph type="title"/>
           </p:nvPr>
         </p:nvSpPr>
         <p:spPr>
           <a:xfrm>
-            <a:off x="2286000" y="457200"/>
-            <a:ext cx="6858000" cy="685800"/>
+            <a:off x="457200" y="609600"/>
+            <a:ext cx="7467600" cy="685800"/>
           </a:xfrm>
         </p:spPr>
         <p:txBody>
@@ -5406,7 +5472,7 @@
           <a:lstStyle/>
           <a:p>
             <a:r>
-              <a:rPr lang="en-US" sz="2800" u="sng" dirty="0" smtClean="0">
+              <a:rPr lang="en-US" sz="3200" u="sng" dirty="0" smtClean="0">
                 <a:effectLst>
                   <a:outerShdw blurRad="38100" dist="38100" dir="2700000" algn="tl">
                     <a:srgbClr val="000000">
@@ -5417,7 +5483,392 @@
               </a:rPr>
               <a:t>History of planning commission</a:t>
             </a:r>
-            <a:endParaRPr lang="en-US" sz="2800" u="sng" dirty="0">
+            <a:endParaRPr lang="en-US" sz="2800" dirty="0"/>
+          </a:p>
+        </p:txBody>
+      </p:sp>
+      <p:sp>
+        <p:nvSpPr>
+          <p:cNvPr id="3" name="Content Placeholder 2"/>
+          <p:cNvSpPr>
+            <a:spLocks noGrp="1"/>
+          </p:cNvSpPr>
+          <p:nvPr>
+            <p:ph sz="quarter" idx="1"/>
+          </p:nvPr>
+        </p:nvSpPr>
+        <p:spPr/>
+        <p:txBody>
+          <a:bodyPr>
+            <a:normAutofit/>
+          </a:bodyPr>
+          <a:lstStyle/>
+          <a:p>
+            <a:r>
+              <a:rPr lang="en-US" sz="2000" dirty="0" smtClean="0"/>
+              <a:t>Five year </a:t>
+            </a:r>
+            <a:r>
+              <a:rPr lang="en-US" sz="2000" dirty="0" smtClean="0">
+                <a:latin typeface="Calibri" pitchFamily="34" charset="0"/>
+              </a:rPr>
+              <a:t>Plans (FYPs) are centralized and integrated national economic programs. </a:t>
+            </a:r>
+          </a:p>
+          <a:p>
+            <a:r>
+              <a:rPr lang="en-US" sz="2000" dirty="0" smtClean="0">
+                <a:solidFill>
+                  <a:schemeClr val="accent1">
+                    <a:lumMod val="75000"/>
+                  </a:schemeClr>
+                </a:solidFill>
+                <a:latin typeface="Calibri" pitchFamily="34" charset="0"/>
+              </a:rPr>
+              <a:t>Joseph Stalin </a:t>
+            </a:r>
+            <a:r>
+              <a:rPr lang="en-US" sz="2000" dirty="0" smtClean="0">
+                <a:latin typeface="Calibri" pitchFamily="34" charset="0"/>
+              </a:rPr>
+              <a:t>implemented the </a:t>
+            </a:r>
+            <a:r>
+              <a:rPr lang="en-US" sz="2000" dirty="0" smtClean="0">
+                <a:solidFill>
+                  <a:schemeClr val="accent1">
+                    <a:lumMod val="75000"/>
+                  </a:schemeClr>
+                </a:solidFill>
+                <a:latin typeface="Calibri" pitchFamily="34" charset="0"/>
+              </a:rPr>
+              <a:t>first Five- Year Plan in the Soviet Union in 1928. </a:t>
+            </a:r>
+            <a:r>
+              <a:rPr lang="en-US" sz="2000" dirty="0" smtClean="0">
+                <a:latin typeface="Calibri" pitchFamily="34" charset="0"/>
+              </a:rPr>
+              <a:t>Most communist states and several capitalist countries subsequently have adopted them. China continues to use FYPs, although China renamed its Eleventh FYPs, from 2006 to 2010, a guideline (guihua), rather than a plan (jihua),to signify the central government’s more hands-off approach to development. India launched its First FYP in 1951, immediately after independence, under the socialist influence of India’s first prime minister </a:t>
+            </a:r>
+            <a:r>
+              <a:rPr lang="en-US" sz="2000" dirty="0" smtClean="0">
+                <a:solidFill>
+                  <a:schemeClr val="accent1">
+                    <a:lumMod val="75000"/>
+                  </a:schemeClr>
+                </a:solidFill>
+                <a:latin typeface="Calibri" pitchFamily="34" charset="0"/>
+              </a:rPr>
+              <a:t>Jawaharlal Nehru</a:t>
+            </a:r>
+            <a:endParaRPr lang="en-US" sz="2000" dirty="0"/>
+          </a:p>
+        </p:txBody>
+      </p:sp>
+    </p:spTree>
+  </p:cSld>
+  <p:clrMapOvr>
+    <a:masterClrMapping/>
+  </p:clrMapOvr>
+</p:sld>
+</file>
+
+<file path=ppt/slides/slide3.xml><?xml version="1.0" encoding="utf-8"?>
+<p:sld xmlns:a="http://schemas.openxmlformats.org/drawingml/2006/main" xmlns:r="http://schemas.openxmlformats.org/officeDocument/2006/relationships" xmlns:p="http://schemas.openxmlformats.org/presentationml/2006/main">
+  <p:cSld>
+    <p:spTree>
+      <p:nvGrpSpPr>
+        <p:cNvPr id="1" name=""/>
+        <p:cNvGrpSpPr/>
+        <p:nvPr/>
+      </p:nvGrpSpPr>
+      <p:grpSpPr>
+        <a:xfrm>
+          <a:off x="0" y="0"/>
+          <a:ext cx="0" cy="0"/>
+          <a:chOff x="0" y="0"/>
+          <a:chExt cx="0" cy="0"/>
+        </a:xfrm>
+      </p:grpSpPr>
+      <p:sp>
+        <p:nvSpPr>
+          <p:cNvPr id="2" name="Title 1"/>
+          <p:cNvSpPr>
+            <a:spLocks noGrp="1"/>
+          </p:cNvSpPr>
+          <p:nvPr>
+            <p:ph type="title"/>
+          </p:nvPr>
+        </p:nvSpPr>
+        <p:spPr>
+          <a:xfrm>
+            <a:off x="457200" y="274638"/>
+            <a:ext cx="7467600" cy="639762"/>
+          </a:xfrm>
+        </p:spPr>
+        <p:txBody>
+          <a:bodyPr/>
+          <a:lstStyle/>
+          <a:p>
+            <a:r>
+              <a:rPr lang="en-US" sz="3200" u="sng" dirty="0" smtClean="0">
+                <a:effectLst>
+                  <a:outerShdw blurRad="38100" dist="38100" dir="2700000" algn="tl">
+                    <a:srgbClr val="000000">
+                      <a:alpha val="43137"/>
+                    </a:srgbClr>
+                  </a:outerShdw>
+                </a:effectLst>
+              </a:rPr>
+              <a:t>First five year plan(1951-1956)</a:t>
+            </a:r>
+            <a:endParaRPr lang="en-US" dirty="0"/>
+          </a:p>
+        </p:txBody>
+      </p:sp>
+      <p:sp>
+        <p:nvSpPr>
+          <p:cNvPr id="3" name="Content Placeholder 2"/>
+          <p:cNvSpPr>
+            <a:spLocks noGrp="1"/>
+          </p:cNvSpPr>
+          <p:nvPr>
+            <p:ph sz="quarter" idx="1"/>
+          </p:nvPr>
+        </p:nvSpPr>
+        <p:spPr>
+          <a:xfrm>
+            <a:off x="457200" y="1066800"/>
+            <a:ext cx="7467600" cy="5562600"/>
+          </a:xfrm>
+        </p:spPr>
+        <p:txBody>
+          <a:bodyPr>
+            <a:normAutofit lnSpcReduction="10000"/>
+          </a:bodyPr>
+          <a:lstStyle/>
+          <a:p>
+            <a:r>
+              <a:rPr lang="en-US" sz="2200" u="sng" dirty="0" smtClean="0">
+                <a:solidFill>
+                  <a:schemeClr val="accent3"/>
+                </a:solidFill>
+              </a:rPr>
+              <a:t>Object -  </a:t>
+            </a:r>
+            <a:r>
+              <a:rPr lang="en-US" sz="1900" dirty="0" smtClean="0">
+                <a:latin typeface="Calibri" pitchFamily="34" charset="0"/>
+              </a:rPr>
+              <a:t>Agriculture, Irrigation and Transport</a:t>
+            </a:r>
+          </a:p>
+          <a:p>
+            <a:r>
+              <a:rPr lang="en-US" sz="2200" u="sng" dirty="0" smtClean="0">
+                <a:solidFill>
+                  <a:schemeClr val="accent3"/>
+                </a:solidFill>
+              </a:rPr>
+              <a:t>Model  -  </a:t>
+            </a:r>
+            <a:r>
+              <a:rPr lang="en-US" sz="1900" dirty="0" smtClean="0"/>
+              <a:t>Harrod – Domar Model</a:t>
+            </a:r>
+          </a:p>
+          <a:p>
+            <a:r>
+              <a:rPr lang="en-US" sz="2000" u="sng" dirty="0" smtClean="0">
+                <a:solidFill>
+                  <a:schemeClr val="accent3"/>
+                </a:solidFill>
+                <a:latin typeface="Calibri" pitchFamily="34" charset="0"/>
+              </a:rPr>
+              <a:t>President -</a:t>
+            </a:r>
+            <a:r>
+              <a:rPr lang="en-US" sz="1900" u="sng" dirty="0" smtClean="0">
+                <a:solidFill>
+                  <a:schemeClr val="accent3"/>
+                </a:solidFill>
+              </a:rPr>
+              <a:t> </a:t>
+            </a:r>
+            <a:r>
+              <a:rPr lang="en-US" sz="1900" dirty="0" smtClean="0"/>
+              <a:t>Jawahar lal Nehru</a:t>
+            </a:r>
+          </a:p>
+          <a:p>
+            <a:r>
+              <a:rPr lang="en-US" sz="2000" u="sng" dirty="0" smtClean="0">
+                <a:solidFill>
+                  <a:schemeClr val="accent3"/>
+                </a:solidFill>
+              </a:rPr>
+              <a:t>Vice-president - </a:t>
+            </a:r>
+            <a:r>
+              <a:rPr lang="en-US" sz="1900" dirty="0" smtClean="0"/>
+              <a:t>Gulzarilal Nanda </a:t>
+            </a:r>
+          </a:p>
+          <a:p>
+            <a:r>
+              <a:rPr lang="en-US" sz="2000" u="sng" dirty="0" smtClean="0">
+                <a:solidFill>
+                  <a:schemeClr val="accent3"/>
+                </a:solidFill>
+              </a:rPr>
+              <a:t>Target growth – </a:t>
+            </a:r>
+            <a:r>
+              <a:rPr lang="en-US" sz="1900" dirty="0" smtClean="0"/>
+              <a:t>2.1%</a:t>
+            </a:r>
+          </a:p>
+          <a:p>
+            <a:r>
+              <a:rPr lang="en-US" sz="2000" u="sng" dirty="0" smtClean="0">
+                <a:solidFill>
+                  <a:schemeClr val="accent3"/>
+                </a:solidFill>
+              </a:rPr>
+              <a:t>Achieve growth – </a:t>
+            </a:r>
+            <a:r>
+              <a:rPr lang="en-US" sz="1900" dirty="0" smtClean="0"/>
+              <a:t>3.6%</a:t>
+            </a:r>
+          </a:p>
+          <a:p>
+            <a:r>
+              <a:rPr lang="en-US" sz="2000" u="sng" dirty="0" smtClean="0">
+                <a:solidFill>
+                  <a:schemeClr val="accent3"/>
+                </a:solidFill>
+              </a:rPr>
+              <a:t>Works –</a:t>
+            </a:r>
+            <a:r>
+              <a:rPr lang="en-US" sz="1900" dirty="0" smtClean="0"/>
+              <a:t> Many irrigation projects were initiated during this period, including the Bhakra, Hirakud and Damodar Valley  dams.</a:t>
+            </a:r>
+          </a:p>
+          <a:p>
+            <a:pPr>
+              <a:buFont typeface="Wingdings" pitchFamily="2" charset="2"/>
+              <a:buChar char="v"/>
+            </a:pPr>
+            <a:r>
+              <a:rPr lang="en-US" sz="1900" dirty="0" smtClean="0"/>
+              <a:t> </a:t>
+            </a:r>
+            <a:r>
+              <a:rPr lang="en-US" sz="1900" dirty="0" smtClean="0">
+                <a:solidFill>
+                  <a:schemeClr val="accent2">
+                    <a:lumMod val="75000"/>
+                  </a:schemeClr>
+                </a:solidFill>
+              </a:rPr>
+              <a:t>J. l. Nehru  was said – of that project is Modern     Temple of India. </a:t>
+            </a:r>
+          </a:p>
+          <a:p>
+            <a:pPr>
+              <a:buFont typeface="Wingdings" pitchFamily="2" charset="2"/>
+              <a:buChar char="v"/>
+            </a:pPr>
+            <a:r>
+              <a:rPr lang="en-US" sz="1900" dirty="0" smtClean="0">
+                <a:solidFill>
+                  <a:schemeClr val="accent3"/>
+                </a:solidFill>
+              </a:rPr>
+              <a:t>1951 –</a:t>
+            </a:r>
+            <a:r>
+              <a:rPr lang="en-US" sz="1900" dirty="0" smtClean="0"/>
+              <a:t> first time census in India and also in world.</a:t>
+            </a:r>
+          </a:p>
+          <a:p>
+            <a:pPr>
+              <a:buFont typeface="Wingdings" pitchFamily="2" charset="2"/>
+              <a:buChar char="v"/>
+            </a:pPr>
+            <a:r>
+              <a:rPr lang="en-US" sz="1900" dirty="0" smtClean="0"/>
+              <a:t>Another main target was to lay down the foundation for industry, agriculture development in the country and to provide affordable healthcare, education in low price to the folks.</a:t>
+            </a:r>
+          </a:p>
+          <a:p>
+            <a:endParaRPr lang="en-US" dirty="0"/>
+          </a:p>
+        </p:txBody>
+      </p:sp>
+    </p:spTree>
+  </p:cSld>
+  <p:clrMapOvr>
+    <a:masterClrMapping/>
+  </p:clrMapOvr>
+</p:sld>
+</file>
+
+<file path=ppt/slides/slide4.xml><?xml version="1.0" encoding="utf-8"?>
+<p:sld xmlns:a="http://schemas.openxmlformats.org/drawingml/2006/main" xmlns:r="http://schemas.openxmlformats.org/officeDocument/2006/relationships" xmlns:p="http://schemas.openxmlformats.org/presentationml/2006/main">
+  <p:cSld>
+    <p:spTree>
+      <p:nvGrpSpPr>
+        <p:cNvPr id="1" name=""/>
+        <p:cNvGrpSpPr/>
+        <p:nvPr/>
+      </p:nvGrpSpPr>
+      <p:grpSpPr>
+        <a:xfrm>
+          <a:off x="0" y="0"/>
+          <a:ext cx="0" cy="0"/>
+          <a:chOff x="0" y="0"/>
+          <a:chExt cx="0" cy="0"/>
+        </a:xfrm>
+      </p:grpSpPr>
+      <p:sp>
+        <p:nvSpPr>
+          <p:cNvPr id="2" name="Title 1"/>
+          <p:cNvSpPr>
+            <a:spLocks noGrp="1"/>
+          </p:cNvSpPr>
+          <p:nvPr>
+            <p:ph type="title"/>
+          </p:nvPr>
+        </p:nvSpPr>
+        <p:spPr>
+          <a:xfrm>
+            <a:off x="457200" y="228600"/>
+            <a:ext cx="7467600" cy="609600"/>
+          </a:xfrm>
+        </p:spPr>
+        <p:txBody>
+          <a:bodyPr>
+            <a:normAutofit/>
+          </a:bodyPr>
+          <a:lstStyle/>
+          <a:p>
+            <a:r>
+              <a:rPr lang="en-US" sz="3200" b="1" u="sng" dirty="0" smtClean="0">
+                <a:effectLst>
+                  <a:outerShdw blurRad="38100" dist="38100" dir="2700000" algn="tl">
+                    <a:srgbClr val="000000">
+                      <a:alpha val="43137"/>
+                    </a:srgbClr>
+                  </a:outerShdw>
+                </a:effectLst>
+              </a:rPr>
+              <a:t>Second five year plan (1956-1961)</a:t>
+            </a:r>
+            <a:endParaRPr lang="en-US" sz="3200" b="1" u="sng" dirty="0">
               <a:effectLst>
                 <a:outerShdw blurRad="38100" dist="38100" dir="2700000" algn="tl">
                   <a:srgbClr val="000000">
@@ -5431,18 +5882,952 @@
       </p:sp>
       <p:sp>
         <p:nvSpPr>
-          <p:cNvPr id="3" name="Subtitle 2"/>
-          <p:cNvSpPr>
-            <a:spLocks noGrp="1"/>
-          </p:cNvSpPr>
-          <p:nvPr>
-            <p:ph type="subTitle" idx="1"/>
+          <p:cNvPr id="3" name="Content Placeholder 2"/>
+          <p:cNvSpPr>
+            <a:spLocks noGrp="1"/>
+          </p:cNvSpPr>
+          <p:nvPr>
+            <p:ph sz="quarter" idx="1"/>
           </p:nvPr>
         </p:nvSpPr>
         <p:spPr>
           <a:xfrm>
-            <a:off x="2286000" y="1676400"/>
-            <a:ext cx="6172200" cy="4495800"/>
+            <a:off x="457200" y="1066800"/>
+            <a:ext cx="7467600" cy="5407152"/>
+          </a:xfrm>
+        </p:spPr>
+        <p:txBody>
+          <a:bodyPr>
+            <a:normAutofit/>
+          </a:bodyPr>
+          <a:lstStyle/>
+          <a:p>
+            <a:r>
+              <a:rPr lang="en-US" sz="2000" u="sng" dirty="0" smtClean="0">
+                <a:solidFill>
+                  <a:schemeClr val="accent3"/>
+                </a:solidFill>
+                <a:effectLst>
+                  <a:outerShdw blurRad="38100" dist="38100" dir="2700000" algn="tl">
+                    <a:srgbClr val="000000">
+                      <a:alpha val="43137"/>
+                    </a:srgbClr>
+                  </a:outerShdw>
+                </a:effectLst>
+                <a:latin typeface="Calibri" pitchFamily="34" charset="0"/>
+              </a:rPr>
+              <a:t>Object  -</a:t>
+            </a:r>
+            <a:r>
+              <a:rPr lang="en-US" u="sng" dirty="0" smtClean="0">
+                <a:solidFill>
+                  <a:schemeClr val="accent3"/>
+                </a:solidFill>
+                <a:effectLst>
+                  <a:outerShdw blurRad="38100" dist="38100" dir="2700000" algn="tl">
+                    <a:srgbClr val="000000">
+                      <a:alpha val="43137"/>
+                    </a:srgbClr>
+                  </a:outerShdw>
+                </a:effectLst>
+                <a:latin typeface="Calibri" pitchFamily="34" charset="0"/>
+              </a:rPr>
+              <a:t>  </a:t>
+            </a:r>
+            <a:r>
+              <a:rPr lang="en-US" sz="1800" dirty="0" smtClean="0">
+                <a:latin typeface="Calibri" pitchFamily="34" charset="0"/>
+              </a:rPr>
+              <a:t>Development of public sector and ”rapid Industrialisation”.</a:t>
+            </a:r>
+          </a:p>
+          <a:p>
+            <a:pPr>
+              <a:buFont typeface="Courier New" pitchFamily="49" charset="0"/>
+              <a:buChar char="o"/>
+            </a:pPr>
+            <a:r>
+              <a:rPr lang="en-US" sz="2000" u="sng" dirty="0" smtClean="0">
+                <a:solidFill>
+                  <a:schemeClr val="accent3"/>
+                </a:solidFill>
+                <a:effectLst>
+                  <a:outerShdw blurRad="38100" dist="38100" dir="2700000" algn="tl">
+                    <a:srgbClr val="000000">
+                      <a:alpha val="43137"/>
+                    </a:srgbClr>
+                  </a:outerShdw>
+                </a:effectLst>
+                <a:latin typeface="Calibri" pitchFamily="34" charset="0"/>
+              </a:rPr>
+              <a:t>Model -  </a:t>
+            </a:r>
+            <a:r>
+              <a:rPr lang="en-US" sz="2000" dirty="0" smtClean="0">
+                <a:solidFill>
+                  <a:schemeClr val="accent3"/>
+                </a:solidFill>
+                <a:latin typeface="Calibri" pitchFamily="34" charset="0"/>
+              </a:rPr>
+              <a:t>  </a:t>
+            </a:r>
+            <a:r>
+              <a:rPr lang="en-US" sz="1800" dirty="0" smtClean="0">
+                <a:latin typeface="Calibri" pitchFamily="34" charset="0"/>
+              </a:rPr>
+              <a:t>Mahalonobis model</a:t>
+            </a:r>
+            <a:r>
+              <a:rPr lang="en-US" dirty="0" smtClean="0">
+                <a:effectLst>
+                  <a:outerShdw blurRad="38100" dist="38100" dir="2700000" algn="tl">
+                    <a:srgbClr val="000000">
+                      <a:alpha val="43137"/>
+                    </a:srgbClr>
+                  </a:outerShdw>
+                </a:effectLst>
+                <a:latin typeface="Calibri" pitchFamily="34" charset="0"/>
+              </a:rPr>
+              <a:t> ( </a:t>
+            </a:r>
+            <a:r>
+              <a:rPr lang="en-US" sz="1800" dirty="0" smtClean="0">
+                <a:latin typeface="Calibri" pitchFamily="34" charset="0"/>
+              </a:rPr>
+              <a:t>an economy development model developed by the Indian statistician Prasanta Chandra Mahalanobis in 1953.</a:t>
+            </a:r>
+            <a:r>
+              <a:rPr lang="en-US" dirty="0" smtClean="0">
+                <a:effectLst>
+                  <a:outerShdw blurRad="38100" dist="38100" dir="2700000" algn="tl">
+                    <a:srgbClr val="000000">
+                      <a:alpha val="43137"/>
+                    </a:srgbClr>
+                  </a:outerShdw>
+                </a:effectLst>
+                <a:latin typeface="Calibri" pitchFamily="34" charset="0"/>
+              </a:rPr>
+              <a:t>)</a:t>
+            </a:r>
+          </a:p>
+          <a:p>
+            <a:pPr>
+              <a:buFont typeface="Courier New" pitchFamily="49" charset="0"/>
+              <a:buChar char="o"/>
+            </a:pPr>
+            <a:r>
+              <a:rPr lang="en-US" sz="2000" u="sng" dirty="0" smtClean="0">
+                <a:solidFill>
+                  <a:schemeClr val="accent3"/>
+                </a:solidFill>
+                <a:effectLst>
+                  <a:outerShdw blurRad="38100" dist="38100" dir="2700000" algn="tl">
+                    <a:srgbClr val="000000">
+                      <a:alpha val="43137"/>
+                    </a:srgbClr>
+                  </a:outerShdw>
+                </a:effectLst>
+                <a:latin typeface="Calibri" pitchFamily="34" charset="0"/>
+              </a:rPr>
+              <a:t>Target  growth –  </a:t>
+            </a:r>
+            <a:r>
+              <a:rPr lang="en-US" sz="1800" dirty="0" smtClean="0">
+                <a:latin typeface="Calibri" pitchFamily="34" charset="0"/>
+              </a:rPr>
+              <a:t>4.5%</a:t>
+            </a:r>
+          </a:p>
+          <a:p>
+            <a:pPr>
+              <a:buFont typeface="Courier New" pitchFamily="49" charset="0"/>
+              <a:buChar char="o"/>
+            </a:pPr>
+            <a:r>
+              <a:rPr lang="en-US" sz="2000" u="sng" dirty="0" smtClean="0">
+                <a:solidFill>
+                  <a:schemeClr val="accent3"/>
+                </a:solidFill>
+                <a:effectLst>
+                  <a:outerShdw blurRad="38100" dist="38100" dir="2700000" algn="tl">
+                    <a:srgbClr val="000000">
+                      <a:alpha val="43137"/>
+                    </a:srgbClr>
+                  </a:outerShdw>
+                </a:effectLst>
+                <a:latin typeface="Calibri" pitchFamily="34" charset="0"/>
+              </a:rPr>
+              <a:t>Achieve growth - </a:t>
+            </a:r>
+            <a:r>
+              <a:rPr lang="en-US" sz="2000" dirty="0" smtClean="0">
+                <a:latin typeface="Calibri" pitchFamily="34" charset="0"/>
+              </a:rPr>
+              <a:t> </a:t>
+            </a:r>
+            <a:r>
+              <a:rPr lang="en-US" sz="1800" dirty="0" smtClean="0">
+                <a:latin typeface="Calibri" pitchFamily="34" charset="0"/>
+              </a:rPr>
+              <a:t>4.27%</a:t>
+            </a:r>
+          </a:p>
+          <a:p>
+            <a:pPr>
+              <a:buFont typeface="Courier New" pitchFamily="49" charset="0"/>
+              <a:buChar char="o"/>
+            </a:pPr>
+            <a:r>
+              <a:rPr lang="en-US" sz="2000" u="sng" dirty="0" smtClean="0">
+                <a:solidFill>
+                  <a:schemeClr val="accent3"/>
+                </a:solidFill>
+                <a:effectLst>
+                  <a:outerShdw blurRad="38100" dist="38100" dir="2700000" algn="tl">
+                    <a:srgbClr val="000000">
+                      <a:alpha val="43137"/>
+                    </a:srgbClr>
+                  </a:outerShdw>
+                </a:effectLst>
+                <a:latin typeface="Calibri" pitchFamily="34" charset="0"/>
+              </a:rPr>
+              <a:t>Works -</a:t>
+            </a:r>
+            <a:r>
+              <a:rPr lang="en-US" u="sng" dirty="0" smtClean="0">
+                <a:solidFill>
+                  <a:schemeClr val="accent3"/>
+                </a:solidFill>
+                <a:effectLst>
+                  <a:outerShdw blurRad="38100" dist="38100" dir="2700000" algn="tl">
+                    <a:srgbClr val="000000">
+                      <a:alpha val="43137"/>
+                    </a:srgbClr>
+                  </a:outerShdw>
+                </a:effectLst>
+                <a:latin typeface="Calibri" pitchFamily="34" charset="0"/>
+              </a:rPr>
+              <a:t> </a:t>
+            </a:r>
+            <a:r>
+              <a:rPr lang="en-US" sz="1800" dirty="0" smtClean="0">
+                <a:latin typeface="Calibri" pitchFamily="34" charset="0"/>
+              </a:rPr>
+              <a:t> Hydroelectric power projects and five steel plants at Bhilai (Jharkhand) , Durgapur (West Bengal), and Rourkela (</a:t>
+            </a:r>
+            <a:r>
+              <a:rPr lang="en-US" sz="1800" dirty="0" err="1" smtClean="0">
+                <a:latin typeface="Calibri" pitchFamily="34" charset="0"/>
+              </a:rPr>
+              <a:t>Odisha</a:t>
+            </a:r>
+            <a:r>
+              <a:rPr lang="en-US" sz="1800" dirty="0" smtClean="0">
+                <a:latin typeface="Calibri" pitchFamily="34" charset="0"/>
+              </a:rPr>
+              <a:t>) were established with the help of </a:t>
+            </a:r>
+            <a:r>
+              <a:rPr lang="en-US" sz="1800" dirty="0" smtClean="0">
+                <a:solidFill>
+                  <a:schemeClr val="accent2">
+                    <a:lumMod val="75000"/>
+                  </a:schemeClr>
+                </a:solidFill>
+                <a:latin typeface="Calibri" pitchFamily="34" charset="0"/>
+              </a:rPr>
+              <a:t>the Soviet Union, Britain ( the U.k) </a:t>
+            </a:r>
+            <a:r>
+              <a:rPr lang="en-US" sz="1800" dirty="0" smtClean="0">
+                <a:latin typeface="Calibri" pitchFamily="34" charset="0"/>
+              </a:rPr>
+              <a:t>and</a:t>
+            </a:r>
+            <a:r>
+              <a:rPr lang="en-US" sz="1800" dirty="0" smtClean="0">
+                <a:solidFill>
+                  <a:schemeClr val="accent2">
+                    <a:lumMod val="75000"/>
+                  </a:schemeClr>
+                </a:solidFill>
+                <a:latin typeface="Calibri" pitchFamily="34" charset="0"/>
+              </a:rPr>
+              <a:t> West Germany </a:t>
+            </a:r>
+            <a:r>
+              <a:rPr lang="en-US" sz="1800" dirty="0" smtClean="0">
+                <a:latin typeface="Calibri" pitchFamily="34" charset="0"/>
+              </a:rPr>
+              <a:t>respectively.</a:t>
+            </a:r>
+          </a:p>
+          <a:p>
+            <a:pPr>
+              <a:buFont typeface="Courier New" pitchFamily="49" charset="0"/>
+              <a:buChar char="o"/>
+            </a:pPr>
+            <a:r>
+              <a:rPr lang="en-US" sz="1800" dirty="0" smtClean="0">
+                <a:latin typeface="Calibri" pitchFamily="34" charset="0"/>
+              </a:rPr>
+              <a:t>Coal production was increased.</a:t>
+            </a:r>
+          </a:p>
+          <a:p>
+            <a:pPr>
+              <a:buFont typeface="Courier New" pitchFamily="49" charset="0"/>
+              <a:buChar char="o"/>
+            </a:pPr>
+            <a:r>
+              <a:rPr lang="en-US" sz="1800" dirty="0" smtClean="0">
+                <a:latin typeface="Calibri" pitchFamily="34" charset="0"/>
+              </a:rPr>
+              <a:t>More railway lines were added in the north east.</a:t>
+            </a:r>
+          </a:p>
+          <a:p>
+            <a:pPr>
+              <a:buFont typeface="Courier New" pitchFamily="49" charset="0"/>
+              <a:buChar char="o"/>
+            </a:pPr>
+            <a:r>
+              <a:rPr lang="en-US" sz="1800" dirty="0" smtClean="0">
+                <a:latin typeface="Calibri" pitchFamily="34" charset="0"/>
+              </a:rPr>
+              <a:t>The </a:t>
+            </a:r>
+            <a:r>
+              <a:rPr lang="en-US" sz="1800" dirty="0" smtClean="0">
+                <a:solidFill>
+                  <a:schemeClr val="accent2">
+                    <a:lumMod val="75000"/>
+                  </a:schemeClr>
+                </a:solidFill>
+                <a:latin typeface="Calibri" pitchFamily="34" charset="0"/>
+              </a:rPr>
+              <a:t>Tata Institute of Fundamental Research </a:t>
+            </a:r>
+            <a:r>
+              <a:rPr lang="en-US" sz="1800" dirty="0" smtClean="0">
+                <a:latin typeface="Calibri" pitchFamily="34" charset="0"/>
+              </a:rPr>
+              <a:t>and </a:t>
+            </a:r>
+            <a:r>
+              <a:rPr lang="en-US" sz="1800" dirty="0" smtClean="0">
+                <a:solidFill>
+                  <a:schemeClr val="accent2">
+                    <a:lumMod val="75000"/>
+                  </a:schemeClr>
+                </a:solidFill>
+                <a:latin typeface="Calibri" pitchFamily="34" charset="0"/>
+              </a:rPr>
+              <a:t>Atomic Energy Commission of India</a:t>
+            </a:r>
+            <a:r>
+              <a:rPr lang="en-US" sz="1800" dirty="0" smtClean="0">
+                <a:latin typeface="Calibri" pitchFamily="34" charset="0"/>
+              </a:rPr>
+              <a:t> were  established as research institutes.</a:t>
+            </a:r>
+          </a:p>
+          <a:p>
+            <a:pPr>
+              <a:buFont typeface="Courier New" pitchFamily="49" charset="0"/>
+              <a:buChar char="o"/>
+            </a:pPr>
+            <a:r>
+              <a:rPr lang="en-US" sz="1800" dirty="0" smtClean="0">
+                <a:latin typeface="Calibri" pitchFamily="34" charset="0"/>
+              </a:rPr>
+              <a:t>Mixed Economy adopted.</a:t>
+            </a:r>
+          </a:p>
+          <a:p>
+            <a:pPr>
+              <a:buFont typeface="Courier New" pitchFamily="49" charset="0"/>
+              <a:buChar char="o"/>
+            </a:pPr>
+            <a:endParaRPr lang="en-US" sz="1800" dirty="0" smtClean="0">
+              <a:latin typeface="Calibri" pitchFamily="34" charset="0"/>
+            </a:endParaRPr>
+          </a:p>
+          <a:p>
+            <a:pPr>
+              <a:buFont typeface="Courier New" pitchFamily="49" charset="0"/>
+              <a:buChar char="o"/>
+            </a:pPr>
+            <a:endParaRPr lang="en-US" sz="1800" dirty="0" smtClean="0">
+              <a:latin typeface="Calibri" pitchFamily="34" charset="0"/>
+            </a:endParaRPr>
+          </a:p>
+          <a:p>
+            <a:pPr>
+              <a:buNone/>
+            </a:pPr>
+            <a:endParaRPr lang="en-US" sz="1800" dirty="0" smtClean="0">
+              <a:latin typeface="Calibri" pitchFamily="34" charset="0"/>
+            </a:endParaRPr>
+          </a:p>
+        </p:txBody>
+      </p:sp>
+    </p:spTree>
+  </p:cSld>
+  <p:clrMapOvr>
+    <a:masterClrMapping/>
+  </p:clrMapOvr>
+</p:sld>
+</file>
+
+<file path=ppt/slides/slide5.xml><?xml version="1.0" encoding="utf-8"?>
+<p:sld xmlns:a="http://schemas.openxmlformats.org/drawingml/2006/main" xmlns:r="http://schemas.openxmlformats.org/officeDocument/2006/relationships" xmlns:p="http://schemas.openxmlformats.org/presentationml/2006/main">
+  <p:cSld>
+    <p:spTree>
+      <p:nvGrpSpPr>
+        <p:cNvPr id="1" name=""/>
+        <p:cNvGrpSpPr/>
+        <p:nvPr/>
+      </p:nvGrpSpPr>
+      <p:grpSpPr>
+        <a:xfrm>
+          <a:off x="0" y="0"/>
+          <a:ext cx="0" cy="0"/>
+          <a:chOff x="0" y="0"/>
+          <a:chExt cx="0" cy="0"/>
+        </a:xfrm>
+      </p:grpSpPr>
+      <p:sp>
+        <p:nvSpPr>
+          <p:cNvPr id="2" name="Title 1"/>
+          <p:cNvSpPr>
+            <a:spLocks noGrp="1"/>
+          </p:cNvSpPr>
+          <p:nvPr>
+            <p:ph type="title"/>
+          </p:nvPr>
+        </p:nvSpPr>
+        <p:spPr>
+          <a:xfrm>
+            <a:off x="457200" y="274638"/>
+            <a:ext cx="7467600" cy="563562"/>
+          </a:xfrm>
+        </p:spPr>
+        <p:txBody>
+          <a:bodyPr>
+            <a:noAutofit/>
+          </a:bodyPr>
+          <a:lstStyle/>
+          <a:p>
+            <a:r>
+              <a:rPr lang="en-US" sz="3200" b="1" u="sng" dirty="0" smtClean="0">
+                <a:effectLst>
+                  <a:outerShdw blurRad="38100" dist="38100" dir="2700000" algn="tl">
+                    <a:srgbClr val="000000">
+                      <a:alpha val="43137"/>
+                    </a:srgbClr>
+                  </a:outerShdw>
+                </a:effectLst>
+              </a:rPr>
+              <a:t>Third five year plan (1961-1966)</a:t>
+            </a:r>
+            <a:endParaRPr lang="en-US" sz="3200" b="1" u="sng" dirty="0">
+              <a:effectLst>
+                <a:outerShdw blurRad="38100" dist="38100" dir="2700000" algn="tl">
+                  <a:srgbClr val="000000">
+                    <a:alpha val="43137"/>
+                  </a:srgbClr>
+                </a:outerShdw>
+              </a:effectLst>
+            </a:endParaRPr>
+          </a:p>
+        </p:txBody>
+      </p:sp>
+      <p:sp>
+        <p:nvSpPr>
+          <p:cNvPr id="3" name="Content Placeholder 2"/>
+          <p:cNvSpPr>
+            <a:spLocks noGrp="1"/>
+          </p:cNvSpPr>
+          <p:nvPr>
+            <p:ph sz="quarter" idx="1"/>
+          </p:nvPr>
+        </p:nvSpPr>
+        <p:spPr>
+          <a:xfrm>
+            <a:off x="457200" y="990600"/>
+            <a:ext cx="7467600" cy="5562600"/>
+          </a:xfrm>
+        </p:spPr>
+        <p:style>
+          <a:lnRef idx="1">
+            <a:schemeClr val="accent1"/>
+          </a:lnRef>
+          <a:fillRef idx="1001">
+            <a:schemeClr val="lt1"/>
+          </a:fillRef>
+          <a:effectRef idx="1">
+            <a:schemeClr val="accent1"/>
+          </a:effectRef>
+          <a:fontRef idx="minor">
+            <a:schemeClr val="dk1"/>
+          </a:fontRef>
+        </p:style>
+        <p:txBody>
+          <a:bodyPr>
+            <a:normAutofit fontScale="92500"/>
+          </a:bodyPr>
+          <a:lstStyle/>
+          <a:p>
+            <a:r>
+              <a:rPr lang="en-US" sz="2000" b="1" u="sng" dirty="0" smtClean="0">
+                <a:solidFill>
+                  <a:schemeClr val="accent3"/>
+                </a:solidFill>
+                <a:latin typeface="Calibri" pitchFamily="34" charset="0"/>
+              </a:rPr>
+              <a:t>Object -</a:t>
+            </a:r>
+            <a:r>
+              <a:rPr lang="en-US" b="1" u="sng" dirty="0" smtClean="0">
+                <a:solidFill>
+                  <a:schemeClr val="accent3"/>
+                </a:solidFill>
+                <a:latin typeface="Calibri" pitchFamily="34" charset="0"/>
+              </a:rPr>
+              <a:t>  </a:t>
+            </a:r>
+            <a:r>
+              <a:rPr lang="en-US" sz="1800" dirty="0" smtClean="0">
+                <a:latin typeface="Calibri" pitchFamily="34" charset="0"/>
+              </a:rPr>
+              <a:t>Development of Agricultural and Industrial</a:t>
+            </a:r>
+          </a:p>
+          <a:p>
+            <a:r>
+              <a:rPr lang="en-US" sz="2000" b="1" u="sng" dirty="0" smtClean="0">
+                <a:solidFill>
+                  <a:schemeClr val="accent3"/>
+                </a:solidFill>
+                <a:latin typeface="Calibri" pitchFamily="34" charset="0"/>
+              </a:rPr>
+              <a:t>Model - </a:t>
+            </a:r>
+            <a:r>
+              <a:rPr lang="en-US" sz="2000" dirty="0" smtClean="0">
+                <a:latin typeface="Calibri" pitchFamily="34" charset="0"/>
+              </a:rPr>
+              <a:t> </a:t>
+            </a:r>
+            <a:r>
+              <a:rPr lang="en-US" sz="1800" dirty="0" smtClean="0">
+                <a:latin typeface="Calibri" pitchFamily="34" charset="0"/>
+              </a:rPr>
+              <a:t>John Sandy and Sukhamoy Chakraborty’s model.</a:t>
+            </a:r>
+          </a:p>
+          <a:p>
+            <a:r>
+              <a:rPr lang="en-US" sz="2000" b="1" u="sng" dirty="0" smtClean="0">
+                <a:solidFill>
+                  <a:schemeClr val="accent3"/>
+                </a:solidFill>
+                <a:latin typeface="Calibri" pitchFamily="34" charset="0"/>
+              </a:rPr>
+              <a:t>President -  </a:t>
+            </a:r>
+            <a:r>
+              <a:rPr lang="en-US" sz="2000" b="1" u="sng" dirty="0" smtClean="0">
+                <a:solidFill>
+                  <a:schemeClr val="accent3"/>
+                </a:solidFill>
+                <a:latin typeface="Calibri" pitchFamily="34" charset="0"/>
+              </a:rPr>
+              <a:t> </a:t>
+            </a:r>
+            <a:r>
+              <a:rPr lang="en-US" sz="1800" dirty="0" smtClean="0">
+                <a:latin typeface="Calibri" pitchFamily="34" charset="0"/>
+              </a:rPr>
+              <a:t>Gulzarilal Nanda()</a:t>
+            </a:r>
+            <a:r>
+              <a:rPr lang="en-US" dirty="0" smtClean="0">
+                <a:latin typeface="Calibri" pitchFamily="34" charset="0"/>
+              </a:rPr>
+              <a:t> </a:t>
+            </a:r>
+            <a:r>
+              <a:rPr lang="en-US" sz="1800" dirty="0" smtClean="0">
+                <a:latin typeface="Calibri" pitchFamily="34" charset="0"/>
+              </a:rPr>
+              <a:t>after death of Jawahar lal </a:t>
+            </a:r>
+            <a:r>
+              <a:rPr lang="en-US" sz="1800" dirty="0" smtClean="0">
+                <a:latin typeface="Calibri" pitchFamily="34" charset="0"/>
+              </a:rPr>
+              <a:t>Nehru(1964).</a:t>
+            </a:r>
+          </a:p>
+          <a:p>
+            <a:r>
+              <a:rPr lang="en-US" sz="2000" b="1" u="sng" dirty="0" smtClean="0">
+                <a:solidFill>
+                  <a:schemeClr val="accent3"/>
+                </a:solidFill>
+                <a:latin typeface="Calibri" pitchFamily="34" charset="0"/>
+              </a:rPr>
+              <a:t>Second PM of India – </a:t>
+            </a:r>
+            <a:r>
+              <a:rPr lang="en-US" sz="1800" dirty="0" smtClean="0">
+                <a:latin typeface="Calibri" pitchFamily="34" charset="0"/>
+              </a:rPr>
+              <a:t>Lal Bahadur Shastri</a:t>
+            </a:r>
+          </a:p>
+          <a:p>
+            <a:r>
+              <a:rPr lang="en-US" sz="2000" b="1" u="sng" dirty="0" err="1" smtClean="0">
+                <a:solidFill>
+                  <a:schemeClr val="accent3"/>
+                </a:solidFill>
+                <a:latin typeface="Calibri" pitchFamily="34" charset="0"/>
+              </a:rPr>
+              <a:t>Traget</a:t>
+            </a:r>
+            <a:r>
+              <a:rPr lang="en-US" sz="2000" b="1" u="sng" dirty="0" smtClean="0">
+                <a:solidFill>
+                  <a:schemeClr val="accent3"/>
+                </a:solidFill>
+                <a:latin typeface="Calibri" pitchFamily="34" charset="0"/>
+              </a:rPr>
+              <a:t> growth –  </a:t>
+            </a:r>
+            <a:r>
+              <a:rPr lang="en-US" sz="1800" dirty="0" smtClean="0">
+                <a:latin typeface="Calibri" pitchFamily="34" charset="0"/>
+              </a:rPr>
+              <a:t>5.6%</a:t>
+            </a:r>
+          </a:p>
+          <a:p>
+            <a:r>
+              <a:rPr lang="en-US" sz="2000" b="1" u="sng" dirty="0" smtClean="0">
+                <a:solidFill>
+                  <a:schemeClr val="accent3"/>
+                </a:solidFill>
+                <a:latin typeface="Calibri" pitchFamily="34" charset="0"/>
+              </a:rPr>
+              <a:t>Achieve growth –  </a:t>
+            </a:r>
+            <a:r>
+              <a:rPr lang="en-US" sz="1800" dirty="0" smtClean="0">
+                <a:latin typeface="Calibri" pitchFamily="34" charset="0"/>
+              </a:rPr>
+              <a:t>2.4%</a:t>
+            </a:r>
+          </a:p>
+          <a:p>
+            <a:r>
+              <a:rPr lang="en-US" sz="2000" b="1" u="sng" dirty="0" smtClean="0">
+                <a:solidFill>
+                  <a:schemeClr val="accent3"/>
+                </a:solidFill>
+                <a:latin typeface="Calibri" pitchFamily="34" charset="0"/>
+              </a:rPr>
+              <a:t>Work -  </a:t>
+            </a:r>
+            <a:r>
+              <a:rPr lang="en-US" sz="1800" dirty="0" smtClean="0">
+                <a:latin typeface="Calibri" pitchFamily="34" charset="0"/>
+              </a:rPr>
+              <a:t>Establishment of </a:t>
+            </a:r>
+            <a:r>
+              <a:rPr lang="en-US" sz="1800" dirty="0" smtClean="0">
+                <a:solidFill>
+                  <a:schemeClr val="accent2">
+                    <a:lumMod val="75000"/>
+                  </a:schemeClr>
+                </a:solidFill>
+                <a:latin typeface="Calibri" pitchFamily="34" charset="0"/>
+              </a:rPr>
+              <a:t>Bokaro Iron and steal Industry </a:t>
+            </a:r>
+            <a:r>
+              <a:rPr lang="en-US" sz="1800" dirty="0" smtClean="0">
+                <a:latin typeface="Calibri" pitchFamily="34" charset="0"/>
+              </a:rPr>
+              <a:t>with the </a:t>
+            </a:r>
+            <a:r>
+              <a:rPr lang="en-US" sz="1800" dirty="0" smtClean="0">
+                <a:solidFill>
+                  <a:schemeClr val="accent2">
+                    <a:lumMod val="75000"/>
+                  </a:schemeClr>
+                </a:solidFill>
+                <a:latin typeface="Calibri" pitchFamily="34" charset="0"/>
+              </a:rPr>
+              <a:t>help of </a:t>
+            </a:r>
+            <a:r>
+              <a:rPr lang="en-US" sz="1800" dirty="0" smtClean="0">
+                <a:solidFill>
+                  <a:schemeClr val="accent2">
+                    <a:lumMod val="75000"/>
+                  </a:schemeClr>
+                </a:solidFill>
+                <a:latin typeface="Calibri" pitchFamily="34" charset="0"/>
+              </a:rPr>
+              <a:t>S</a:t>
+            </a:r>
+            <a:r>
+              <a:rPr lang="en-US" sz="1800" dirty="0" smtClean="0">
+                <a:solidFill>
+                  <a:schemeClr val="accent2">
+                    <a:lumMod val="75000"/>
+                  </a:schemeClr>
+                </a:solidFill>
+                <a:latin typeface="Calibri" pitchFamily="34" charset="0"/>
+              </a:rPr>
+              <a:t>oviet Union. </a:t>
+            </a:r>
+          </a:p>
+          <a:p>
+            <a:r>
+              <a:rPr lang="en-US" sz="1800" dirty="0" smtClean="0">
+                <a:latin typeface="Calibri" pitchFamily="34" charset="0"/>
+              </a:rPr>
+              <a:t>Many cement and fertilizer plants were also </a:t>
+            </a:r>
+            <a:r>
+              <a:rPr lang="en-US" sz="1800" dirty="0" err="1" smtClean="0">
+                <a:latin typeface="Calibri" pitchFamily="34" charset="0"/>
+              </a:rPr>
+              <a:t>bulit</a:t>
+            </a:r>
+            <a:r>
+              <a:rPr lang="en-US" sz="1800" dirty="0" smtClean="0">
+                <a:latin typeface="Calibri" pitchFamily="34" charset="0"/>
+              </a:rPr>
+              <a:t>. </a:t>
+            </a:r>
+            <a:r>
+              <a:rPr lang="en-US" sz="1800" dirty="0" smtClean="0">
+                <a:solidFill>
+                  <a:schemeClr val="accent2">
+                    <a:lumMod val="75000"/>
+                  </a:schemeClr>
+                </a:solidFill>
+                <a:latin typeface="Calibri" pitchFamily="34" charset="0"/>
+              </a:rPr>
+              <a:t>Punjab</a:t>
+            </a:r>
+            <a:r>
+              <a:rPr lang="en-US" sz="1800" dirty="0" smtClean="0">
+                <a:latin typeface="Calibri" pitchFamily="34" charset="0"/>
+              </a:rPr>
+              <a:t> began producing an </a:t>
+            </a:r>
+            <a:r>
+              <a:rPr lang="en-US" sz="1800" dirty="0" smtClean="0">
+                <a:solidFill>
+                  <a:schemeClr val="accent2">
+                    <a:lumMod val="75000"/>
+                  </a:schemeClr>
+                </a:solidFill>
+                <a:latin typeface="Calibri" pitchFamily="34" charset="0"/>
+              </a:rPr>
+              <a:t>abundance of wheat.</a:t>
+            </a:r>
+          </a:p>
+          <a:p>
+            <a:r>
+              <a:rPr lang="en-US" sz="1800" dirty="0" smtClean="0">
+                <a:latin typeface="Calibri" pitchFamily="34" charset="0"/>
+              </a:rPr>
+              <a:t>The third five year plan stressed agriculture and improvement in the production of wheat, but </a:t>
+            </a:r>
+            <a:r>
+              <a:rPr lang="en-US" sz="1800" dirty="0" smtClean="0">
+                <a:solidFill>
+                  <a:schemeClr val="accent2">
+                    <a:lumMod val="75000"/>
+                  </a:schemeClr>
+                </a:solidFill>
+                <a:latin typeface="Calibri" pitchFamily="34" charset="0"/>
+              </a:rPr>
+              <a:t>the Indo –China war of 1962</a:t>
+            </a:r>
+            <a:r>
+              <a:rPr lang="en-US" sz="1800" dirty="0" smtClean="0">
+                <a:latin typeface="Calibri" pitchFamily="34" charset="0"/>
+              </a:rPr>
+              <a:t> exposed weakness in the economy and shifted the focus towards the defence industry and the Indian Army.</a:t>
+            </a:r>
+          </a:p>
+          <a:p>
+            <a:r>
+              <a:rPr lang="en-US" sz="1800" dirty="0" smtClean="0">
+                <a:solidFill>
+                  <a:schemeClr val="accent2">
+                    <a:lumMod val="75000"/>
+                  </a:schemeClr>
+                </a:solidFill>
+                <a:latin typeface="Calibri" pitchFamily="34" charset="0"/>
+              </a:rPr>
+              <a:t>1965-1966, India fought a War with Pakistan.</a:t>
+            </a:r>
+            <a:r>
+              <a:rPr lang="en-US" sz="1800" dirty="0" smtClean="0">
+                <a:solidFill>
+                  <a:schemeClr val="accent2">
+                    <a:lumMod val="75000"/>
+                  </a:schemeClr>
+                </a:solidFill>
+                <a:latin typeface="Calibri" pitchFamily="34" charset="0"/>
+              </a:rPr>
+              <a:t> There was  also a severe drought in 1965</a:t>
+            </a:r>
+            <a:r>
+              <a:rPr lang="en-US" sz="1800" dirty="0" smtClean="0">
+                <a:solidFill>
+                  <a:schemeClr val="accent2">
+                    <a:lumMod val="75000"/>
+                  </a:schemeClr>
+                </a:solidFill>
+                <a:latin typeface="Calibri" pitchFamily="34" charset="0"/>
+              </a:rPr>
+              <a:t>.</a:t>
+            </a:r>
+          </a:p>
+          <a:p>
+            <a:r>
+              <a:rPr lang="en-US" sz="1800" dirty="0" smtClean="0">
+                <a:solidFill>
+                  <a:schemeClr val="accent2">
+                    <a:lumMod val="75000"/>
+                  </a:schemeClr>
+                </a:solidFill>
+                <a:latin typeface="Calibri" pitchFamily="34" charset="0"/>
+              </a:rPr>
+              <a:t>For the first time India resorted to borrowing from IMF. Rupee value devalued for the first time in 1966.</a:t>
+            </a:r>
+          </a:p>
+          <a:p>
+            <a:endParaRPr lang="en-US" sz="1800" dirty="0" smtClean="0">
+              <a:latin typeface="Calibri" pitchFamily="34" charset="0"/>
+            </a:endParaRPr>
+          </a:p>
+          <a:p>
+            <a:endParaRPr lang="en-US" sz="1800" dirty="0" smtClean="0">
+              <a:latin typeface="Calibri" pitchFamily="34" charset="0"/>
+            </a:endParaRPr>
+          </a:p>
+          <a:p>
+            <a:endParaRPr lang="en-US" sz="1800" dirty="0" smtClean="0">
+              <a:latin typeface="Calibri" pitchFamily="34" charset="0"/>
+            </a:endParaRPr>
+          </a:p>
+          <a:p>
+            <a:endParaRPr lang="en-US" sz="1800" dirty="0" smtClean="0">
+              <a:latin typeface="Calibri" pitchFamily="34" charset="0"/>
+            </a:endParaRPr>
+          </a:p>
+        </p:txBody>
+      </p:sp>
+    </p:spTree>
+  </p:cSld>
+  <p:clrMapOvr>
+    <a:masterClrMapping/>
+  </p:clrMapOvr>
+</p:sld>
+</file>
+
+<file path=ppt/slides/slide6.xml><?xml version="1.0" encoding="utf-8"?>
+<p:sld xmlns:a="http://schemas.openxmlformats.org/drawingml/2006/main" xmlns:r="http://schemas.openxmlformats.org/officeDocument/2006/relationships" xmlns:p="http://schemas.openxmlformats.org/presentationml/2006/main">
+  <p:cSld>
+    <p:spTree>
+      <p:nvGrpSpPr>
+        <p:cNvPr id="1" name=""/>
+        <p:cNvGrpSpPr/>
+        <p:nvPr/>
+      </p:nvGrpSpPr>
+      <p:grpSpPr>
+        <a:xfrm>
+          <a:off x="0" y="0"/>
+          <a:ext cx="0" cy="0"/>
+          <a:chOff x="0" y="0"/>
+          <a:chExt cx="0" cy="0"/>
+        </a:xfrm>
+      </p:grpSpPr>
+      <p:sp>
+        <p:nvSpPr>
+          <p:cNvPr id="2" name="Title 1"/>
+          <p:cNvSpPr>
+            <a:spLocks noGrp="1"/>
+          </p:cNvSpPr>
+          <p:nvPr>
+            <p:ph type="title"/>
+          </p:nvPr>
+        </p:nvSpPr>
+        <p:spPr>
+          <a:xfrm>
+            <a:off x="457200" y="274638"/>
+            <a:ext cx="7467600" cy="792162"/>
+          </a:xfrm>
+        </p:spPr>
+        <p:txBody>
+          <a:bodyPr/>
+          <a:lstStyle/>
+          <a:p>
+            <a:r>
+              <a:rPr lang="en-US" dirty="0" smtClean="0"/>
+              <a:t> </a:t>
+            </a:r>
+            <a:r>
+              <a:rPr lang="en-US" sz="3200" b="1" u="sng" dirty="0" smtClean="0">
+                <a:effectLst>
+                  <a:outerShdw blurRad="38100" dist="38100" dir="2700000" algn="tl">
+                    <a:srgbClr val="000000">
+                      <a:alpha val="43137"/>
+                    </a:srgbClr>
+                  </a:outerShdw>
+                </a:effectLst>
+              </a:rPr>
+              <a:t>First Plan Holiday(1966-1969)</a:t>
+            </a:r>
+            <a:endParaRPr lang="en-US" sz="3200" b="1" u="sng" dirty="0">
+              <a:effectLst>
+                <a:outerShdw blurRad="38100" dist="38100" dir="2700000" algn="tl">
+                  <a:srgbClr val="000000">
+                    <a:alpha val="43137"/>
+                  </a:srgbClr>
+                </a:outerShdw>
+              </a:effectLst>
+            </a:endParaRPr>
+          </a:p>
+        </p:txBody>
+      </p:sp>
+      <p:sp>
+        <p:nvSpPr>
+          <p:cNvPr id="3" name="Content Placeholder 2"/>
+          <p:cNvSpPr>
+            <a:spLocks noGrp="1"/>
+          </p:cNvSpPr>
+          <p:nvPr>
+            <p:ph sz="quarter" idx="1"/>
+          </p:nvPr>
+        </p:nvSpPr>
+        <p:spPr>
+          <a:xfrm>
+            <a:off x="457200" y="1371600"/>
+            <a:ext cx="7467600" cy="5102352"/>
           </a:xfrm>
         </p:spPr>
         <p:txBody>
